--- a/MC.pptx
+++ b/MC.pptx
@@ -263,7 +263,7 @@
           <a:p>
             <a:fld id="{DD1DD149-C2E1-45B3-8D1E-613DFB93DEE4}" type="datetimeFigureOut">
               <a:rPr lang="ru-RU" smtClean="0"/>
-              <a:t>09.05.2020</a:t>
+              <a:t>13.11.2021</a:t>
             </a:fld>
             <a:endParaRPr lang="ru-RU" dirty="0"/>
           </a:p>
@@ -433,7 +433,7 @@
           <a:p>
             <a:fld id="{DD1DD149-C2E1-45B3-8D1E-613DFB93DEE4}" type="datetimeFigureOut">
               <a:rPr lang="ru-RU" smtClean="0"/>
-              <a:t>09.05.2020</a:t>
+              <a:t>13.11.2021</a:t>
             </a:fld>
             <a:endParaRPr lang="ru-RU" dirty="0"/>
           </a:p>
@@ -613,7 +613,7 @@
           <a:p>
             <a:fld id="{DD1DD149-C2E1-45B3-8D1E-613DFB93DEE4}" type="datetimeFigureOut">
               <a:rPr lang="ru-RU" smtClean="0"/>
-              <a:t>09.05.2020</a:t>
+              <a:t>13.11.2021</a:t>
             </a:fld>
             <a:endParaRPr lang="ru-RU" dirty="0"/>
           </a:p>
@@ -864,7 +864,7 @@
           <a:p>
             <a:fld id="{DD1DD149-C2E1-45B3-8D1E-613DFB93DEE4}" type="datetimeFigureOut">
               <a:rPr lang="ru-RU" smtClean="0"/>
-              <a:t>09.05.2020</a:t>
+              <a:t>13.11.2021</a:t>
             </a:fld>
             <a:endParaRPr lang="ru-RU" dirty="0"/>
           </a:p>
@@ -1110,7 +1110,7 @@
           <a:p>
             <a:fld id="{DD1DD149-C2E1-45B3-8D1E-613DFB93DEE4}" type="datetimeFigureOut">
               <a:rPr lang="ru-RU" smtClean="0"/>
-              <a:t>09.05.2020</a:t>
+              <a:t>13.11.2021</a:t>
             </a:fld>
             <a:endParaRPr lang="ru-RU" dirty="0"/>
           </a:p>
@@ -1342,7 +1342,7 @@
           <a:p>
             <a:fld id="{DD1DD149-C2E1-45B3-8D1E-613DFB93DEE4}" type="datetimeFigureOut">
               <a:rPr lang="ru-RU" smtClean="0"/>
-              <a:t>09.05.2020</a:t>
+              <a:t>13.11.2021</a:t>
             </a:fld>
             <a:endParaRPr lang="ru-RU" dirty="0"/>
           </a:p>
@@ -1709,7 +1709,7 @@
           <a:p>
             <a:fld id="{DD1DD149-C2E1-45B3-8D1E-613DFB93DEE4}" type="datetimeFigureOut">
               <a:rPr lang="ru-RU" smtClean="0"/>
-              <a:t>09.05.2020</a:t>
+              <a:t>13.11.2021</a:t>
             </a:fld>
             <a:endParaRPr lang="ru-RU" dirty="0"/>
           </a:p>
@@ -1827,7 +1827,7 @@
           <a:p>
             <a:fld id="{DD1DD149-C2E1-45B3-8D1E-613DFB93DEE4}" type="datetimeFigureOut">
               <a:rPr lang="ru-RU" smtClean="0"/>
-              <a:t>09.05.2020</a:t>
+              <a:t>13.11.2021</a:t>
             </a:fld>
             <a:endParaRPr lang="ru-RU" dirty="0"/>
           </a:p>
@@ -1922,7 +1922,7 @@
           <a:p>
             <a:fld id="{DD1DD149-C2E1-45B3-8D1E-613DFB93DEE4}" type="datetimeFigureOut">
               <a:rPr lang="ru-RU" smtClean="0"/>
-              <a:t>09.05.2020</a:t>
+              <a:t>13.11.2021</a:t>
             </a:fld>
             <a:endParaRPr lang="ru-RU" dirty="0"/>
           </a:p>
@@ -2199,7 +2199,7 @@
           <a:p>
             <a:fld id="{DD1DD149-C2E1-45B3-8D1E-613DFB93DEE4}" type="datetimeFigureOut">
               <a:rPr lang="ru-RU" smtClean="0"/>
-              <a:t>09.05.2020</a:t>
+              <a:t>13.11.2021</a:t>
             </a:fld>
             <a:endParaRPr lang="ru-RU" dirty="0"/>
           </a:p>
@@ -2452,7 +2452,7 @@
           <a:p>
             <a:fld id="{DD1DD149-C2E1-45B3-8D1E-613DFB93DEE4}" type="datetimeFigureOut">
               <a:rPr lang="ru-RU" smtClean="0"/>
-              <a:t>09.05.2020</a:t>
+              <a:t>13.11.2021</a:t>
             </a:fld>
             <a:endParaRPr lang="ru-RU" dirty="0"/>
           </a:p>
@@ -2665,7 +2665,7 @@
           <a:p>
             <a:fld id="{DD1DD149-C2E1-45B3-8D1E-613DFB93DEE4}" type="datetimeFigureOut">
               <a:rPr lang="ru-RU" smtClean="0"/>
-              <a:t>09.05.2020</a:t>
+              <a:t>13.11.2021</a:t>
             </a:fld>
             <a:endParaRPr lang="ru-RU" dirty="0"/>
           </a:p>
@@ -3100,16 +3100,7 @@
                 </a:solidFill>
                 <a:latin typeface="Bebas" pitchFamily="2" charset="0"/>
               </a:rPr>
-              <a:t>Covid-19  testing  </a:t>
-            </a:r>
-            <a:r>
-              <a:rPr lang="en-US" sz="4400" dirty="0" smtClean="0">
-                <a:solidFill>
-                  <a:srgbClr val="D52F31"/>
-                </a:solidFill>
-                <a:latin typeface="Bebas" pitchFamily="2" charset="0"/>
-              </a:rPr>
-              <a:t>using  Sobel  and  SVM</a:t>
+              <a:t>Covid-19  testing  using  Sobel  and  SVM</a:t>
             </a:r>
             <a:endParaRPr lang="ru-RU" sz="4400" dirty="0">
               <a:solidFill>
@@ -9020,8 +9011,24 @@
                 <a:latin typeface="Roboto Black" panose="02000000000000000000" pitchFamily="2" charset="0"/>
                 <a:ea typeface="Roboto Black" panose="02000000000000000000" pitchFamily="2" charset="0"/>
               </a:rPr>
-              <a:t>6. Training Data</a:t>
-            </a:r>
+              <a:t>6. </a:t>
+            </a:r>
+            <a:r>
+              <a:rPr lang="en-US" smtClean="0">
+                <a:latin typeface="Roboto Black" panose="02000000000000000000" pitchFamily="2" charset="0"/>
+                <a:ea typeface="Roboto Black" panose="02000000000000000000" pitchFamily="2" charset="0"/>
+              </a:rPr>
+              <a:t>Training </a:t>
+            </a:r>
+            <a:r>
+              <a:rPr lang="en-US" smtClean="0">
+                <a:latin typeface="Roboto Black" panose="02000000000000000000" pitchFamily="2" charset="0"/>
+                <a:ea typeface="Roboto Black" panose="02000000000000000000" pitchFamily="2" charset="0"/>
+              </a:rPr>
+              <a:t>Model</a:t>
+            </a:r>
+          </a:p>
+          <a:p>
             <a:endParaRPr lang="ru-RU" dirty="0">
               <a:latin typeface="Roboto Black" panose="02000000000000000000" pitchFamily="2" charset="0"/>
               <a:ea typeface="Roboto Black" panose="02000000000000000000" pitchFamily="2" charset="0"/>
